--- a/01-QD/Pictures/MnFineStruct.pptx
+++ b/01-QD/Pictures/MnFineStruct.pptx
@@ -288,7 +288,7 @@
           <a:p>
             <a:fld id="{E2395C9B-4881-4C7D-9FB7-BCB6A2995C1D}" type="datetimeFigureOut">
               <a:rPr lang="fr-FR" smtClean="0"/>
-              <a:t>14/06/2017</a:t>
+              <a:t>07/07/2017</a:t>
             </a:fld>
             <a:endParaRPr lang="fr-FR"/>
           </a:p>
@@ -458,7 +458,7 @@
           <a:p>
             <a:fld id="{E2395C9B-4881-4C7D-9FB7-BCB6A2995C1D}" type="datetimeFigureOut">
               <a:rPr lang="fr-FR" smtClean="0"/>
-              <a:t>14/06/2017</a:t>
+              <a:t>07/07/2017</a:t>
             </a:fld>
             <a:endParaRPr lang="fr-FR"/>
           </a:p>
@@ -638,7 +638,7 @@
           <a:p>
             <a:fld id="{E2395C9B-4881-4C7D-9FB7-BCB6A2995C1D}" type="datetimeFigureOut">
               <a:rPr lang="fr-FR" smtClean="0"/>
-              <a:t>14/06/2017</a:t>
+              <a:t>07/07/2017</a:t>
             </a:fld>
             <a:endParaRPr lang="fr-FR"/>
           </a:p>
@@ -808,7 +808,7 @@
           <a:p>
             <a:fld id="{E2395C9B-4881-4C7D-9FB7-BCB6A2995C1D}" type="datetimeFigureOut">
               <a:rPr lang="fr-FR" smtClean="0"/>
-              <a:t>14/06/2017</a:t>
+              <a:t>07/07/2017</a:t>
             </a:fld>
             <a:endParaRPr lang="fr-FR"/>
           </a:p>
@@ -1054,7 +1054,7 @@
           <a:p>
             <a:fld id="{E2395C9B-4881-4C7D-9FB7-BCB6A2995C1D}" type="datetimeFigureOut">
               <a:rPr lang="fr-FR" smtClean="0"/>
-              <a:t>14/06/2017</a:t>
+              <a:t>07/07/2017</a:t>
             </a:fld>
             <a:endParaRPr lang="fr-FR"/>
           </a:p>
@@ -1342,7 +1342,7 @@
           <a:p>
             <a:fld id="{E2395C9B-4881-4C7D-9FB7-BCB6A2995C1D}" type="datetimeFigureOut">
               <a:rPr lang="fr-FR" smtClean="0"/>
-              <a:t>14/06/2017</a:t>
+              <a:t>07/07/2017</a:t>
             </a:fld>
             <a:endParaRPr lang="fr-FR"/>
           </a:p>
@@ -1769,7 +1769,7 @@
           <a:p>
             <a:fld id="{E2395C9B-4881-4C7D-9FB7-BCB6A2995C1D}" type="datetimeFigureOut">
               <a:rPr lang="fr-FR" smtClean="0"/>
-              <a:t>14/06/2017</a:t>
+              <a:t>07/07/2017</a:t>
             </a:fld>
             <a:endParaRPr lang="fr-FR"/>
           </a:p>
@@ -1887,7 +1887,7 @@
           <a:p>
             <a:fld id="{E2395C9B-4881-4C7D-9FB7-BCB6A2995C1D}" type="datetimeFigureOut">
               <a:rPr lang="fr-FR" smtClean="0"/>
-              <a:t>14/06/2017</a:t>
+              <a:t>07/07/2017</a:t>
             </a:fld>
             <a:endParaRPr lang="fr-FR"/>
           </a:p>
@@ -1982,7 +1982,7 @@
           <a:p>
             <a:fld id="{E2395C9B-4881-4C7D-9FB7-BCB6A2995C1D}" type="datetimeFigureOut">
               <a:rPr lang="fr-FR" smtClean="0"/>
-              <a:t>14/06/2017</a:t>
+              <a:t>07/07/2017</a:t>
             </a:fld>
             <a:endParaRPr lang="fr-FR"/>
           </a:p>
@@ -2259,7 +2259,7 @@
           <a:p>
             <a:fld id="{E2395C9B-4881-4C7D-9FB7-BCB6A2995C1D}" type="datetimeFigureOut">
               <a:rPr lang="fr-FR" smtClean="0"/>
-              <a:t>14/06/2017</a:t>
+              <a:t>07/07/2017</a:t>
             </a:fld>
             <a:endParaRPr lang="fr-FR"/>
           </a:p>
@@ -2512,7 +2512,7 @@
           <a:p>
             <a:fld id="{E2395C9B-4881-4C7D-9FB7-BCB6A2995C1D}" type="datetimeFigureOut">
               <a:rPr lang="fr-FR" smtClean="0"/>
-              <a:t>14/06/2017</a:t>
+              <a:t>07/07/2017</a:t>
             </a:fld>
             <a:endParaRPr lang="fr-FR"/>
           </a:p>
@@ -2725,7 +2725,7 @@
           <a:p>
             <a:fld id="{E2395C9B-4881-4C7D-9FB7-BCB6A2995C1D}" type="datetimeFigureOut">
               <a:rPr lang="fr-FR" smtClean="0"/>
-              <a:t>14/06/2017</a:t>
+              <a:t>07/07/2017</a:t>
             </a:fld>
             <a:endParaRPr lang="fr-FR"/>
           </a:p>
@@ -5843,8 +5843,8 @@
             </p:nvSpPr>
             <p:spPr bwMode="auto">
               <a:xfrm>
-                <a:off x="4347538" y="3469387"/>
-                <a:ext cx="924995" cy="371290"/>
+                <a:off x="4793909" y="3714603"/>
+                <a:ext cx="289426" cy="278946"/>
               </a:xfrm>
               <a:prstGeom prst="rect">
                 <a:avLst/>
@@ -5994,15 +5994,6 @@
                     <a:latin typeface="Monotype Corsiva" panose="03010101010201010101" pitchFamily="66" charset="0"/>
                   </a:rPr>
                   <a:t>E</a:t>
-                </a:r>
-                <a:r>
-                  <a:rPr lang="fr-FR" sz="1600" dirty="0" smtClean="0">
-                    <a:solidFill>
-                      <a:srgbClr val="009900"/>
-                    </a:solidFill>
-                    <a:latin typeface="Times New Roman" pitchFamily="18" charset="0"/>
-                  </a:rPr>
-                  <a:t>~1µeV</a:t>
                 </a:r>
                 <a:endParaRPr lang="fr-FR" sz="1600" baseline="-25000" dirty="0">
                   <a:solidFill>
